--- a/Experiments/MicroBit/04-Poloha/Prezentace/42-akcelerometr.pptx
+++ b/Experiments/MicroBit/04-Poloha/Prezentace/42-akcelerometr.pptx
@@ -108,6 +108,11 @@
       </a:defRPr>
     </a:lvl9pPr>
   </p:defaultTextStyle>
+  <p:extLst>
+    <p:ext uri="{EFAFB233-063F-42B5-8137-9DF3F51BA10A}">
+      <p15:sldGuideLst xmlns:p15="http://schemas.microsoft.com/office/powerpoint/2012/main"/>
+    </p:ext>
+  </p:extLst>
 </p:presentation>
 </file>
 
@@ -5942,6 +5947,26 @@
               </a:lnSpc>
             </a:pPr>
             <a:r>
+              <a:rPr lang="cs-CZ" sz="4400" spc="-1" dirty="0">
+                <a:solidFill>
+                  <a:srgbClr val="FFFFFF"/>
+                </a:solidFill>
+                <a:latin typeface="Ubuntu"/>
+                <a:ea typeface="DejaVu Sans"/>
+              </a:rPr>
+              <a:t>4</a:t>
+            </a:r>
+            <a:r>
+              <a:rPr lang="cs-CZ" sz="4400" b="0" strike="noStrike" spc="-1">
+                <a:solidFill>
+                  <a:srgbClr val="FFFFFF"/>
+                </a:solidFill>
+                <a:latin typeface="Ubuntu"/>
+                <a:ea typeface="DejaVu Sans"/>
+              </a:rPr>
+              <a:t>-2 </a:t>
+            </a:r>
+            <a:r>
               <a:rPr lang="cs-CZ" sz="4400" b="0" strike="noStrike" spc="-1" dirty="0">
                 <a:solidFill>
                   <a:srgbClr val="FFFFFF"/>
@@ -5949,7 +5974,7 @@
                 <a:latin typeface="Ubuntu"/>
                 <a:ea typeface="DejaVu Sans"/>
               </a:rPr>
-              <a:t>3-2 Gesta</a:t>
+              <a:t>Gesta</a:t>
             </a:r>
             <a:endParaRPr lang="cs-CZ" sz="4400" b="0" strike="noStrike" spc="-1" dirty="0">
               <a:latin typeface="Arial"/>
